--- a/Fig 1234 01_26_22.pptx
+++ b/Fig 1234 01_26_22.pptx
@@ -257,7 +257,7 @@
           <a:p>
             <a:fld id="{4979FE32-7E81-4B13-9765-93D565E07B33}" type="datetimeFigureOut">
               <a:rPr lang="en-US" smtClean="0"/>
-              <a:t>1/26/2022</a:t>
+              <a:t>2/2/2022</a:t>
             </a:fld>
             <a:endParaRPr lang="en-US"/>
           </a:p>
@@ -427,7 +427,7 @@
           <a:p>
             <a:fld id="{4979FE32-7E81-4B13-9765-93D565E07B33}" type="datetimeFigureOut">
               <a:rPr lang="en-US" smtClean="0"/>
-              <a:t>1/26/2022</a:t>
+              <a:t>2/2/2022</a:t>
             </a:fld>
             <a:endParaRPr lang="en-US"/>
           </a:p>
@@ -607,7 +607,7 @@
           <a:p>
             <a:fld id="{4979FE32-7E81-4B13-9765-93D565E07B33}" type="datetimeFigureOut">
               <a:rPr lang="en-US" smtClean="0"/>
-              <a:t>1/26/2022</a:t>
+              <a:t>2/2/2022</a:t>
             </a:fld>
             <a:endParaRPr lang="en-US"/>
           </a:p>
@@ -777,7 +777,7 @@
           <a:p>
             <a:fld id="{4979FE32-7E81-4B13-9765-93D565E07B33}" type="datetimeFigureOut">
               <a:rPr lang="en-US" smtClean="0"/>
-              <a:t>1/26/2022</a:t>
+              <a:t>2/2/2022</a:t>
             </a:fld>
             <a:endParaRPr lang="en-US"/>
           </a:p>
@@ -1021,7 +1021,7 @@
           <a:p>
             <a:fld id="{4979FE32-7E81-4B13-9765-93D565E07B33}" type="datetimeFigureOut">
               <a:rPr lang="en-US" smtClean="0"/>
-              <a:t>1/26/2022</a:t>
+              <a:t>2/2/2022</a:t>
             </a:fld>
             <a:endParaRPr lang="en-US"/>
           </a:p>
@@ -1253,7 +1253,7 @@
           <a:p>
             <a:fld id="{4979FE32-7E81-4B13-9765-93D565E07B33}" type="datetimeFigureOut">
               <a:rPr lang="en-US" smtClean="0"/>
-              <a:t>1/26/2022</a:t>
+              <a:t>2/2/2022</a:t>
             </a:fld>
             <a:endParaRPr lang="en-US"/>
           </a:p>
@@ -1620,7 +1620,7 @@
           <a:p>
             <a:fld id="{4979FE32-7E81-4B13-9765-93D565E07B33}" type="datetimeFigureOut">
               <a:rPr lang="en-US" smtClean="0"/>
-              <a:t>1/26/2022</a:t>
+              <a:t>2/2/2022</a:t>
             </a:fld>
             <a:endParaRPr lang="en-US"/>
           </a:p>
@@ -1738,7 +1738,7 @@
           <a:p>
             <a:fld id="{4979FE32-7E81-4B13-9765-93D565E07B33}" type="datetimeFigureOut">
               <a:rPr lang="en-US" smtClean="0"/>
-              <a:t>1/26/2022</a:t>
+              <a:t>2/2/2022</a:t>
             </a:fld>
             <a:endParaRPr lang="en-US"/>
           </a:p>
@@ -1833,7 +1833,7 @@
           <a:p>
             <a:fld id="{4979FE32-7E81-4B13-9765-93D565E07B33}" type="datetimeFigureOut">
               <a:rPr lang="en-US" smtClean="0"/>
-              <a:t>1/26/2022</a:t>
+              <a:t>2/2/2022</a:t>
             </a:fld>
             <a:endParaRPr lang="en-US"/>
           </a:p>
@@ -2110,7 +2110,7 @@
           <a:p>
             <a:fld id="{4979FE32-7E81-4B13-9765-93D565E07B33}" type="datetimeFigureOut">
               <a:rPr lang="en-US" smtClean="0"/>
-              <a:t>1/26/2022</a:t>
+              <a:t>2/2/2022</a:t>
             </a:fld>
             <a:endParaRPr lang="en-US"/>
           </a:p>
@@ -2367,7 +2367,7 @@
           <a:p>
             <a:fld id="{4979FE32-7E81-4B13-9765-93D565E07B33}" type="datetimeFigureOut">
               <a:rPr lang="en-US" smtClean="0"/>
-              <a:t>1/26/2022</a:t>
+              <a:t>2/2/2022</a:t>
             </a:fld>
             <a:endParaRPr lang="en-US"/>
           </a:p>
@@ -2580,7 +2580,7 @@
           <a:p>
             <a:fld id="{4979FE32-7E81-4B13-9765-93D565E07B33}" type="datetimeFigureOut">
               <a:rPr lang="en-US" smtClean="0"/>
-              <a:t>1/26/2022</a:t>
+              <a:t>2/2/2022</a:t>
             </a:fld>
             <a:endParaRPr lang="en-US"/>
           </a:p>
@@ -3864,13 +3864,27 @@
             </a:r>
             <a:r>
               <a:rPr lang="en-US" sz="1000" dirty="0">
+                <a:latin typeface="Arial" panose="020B0604020202020204" pitchFamily="34" charset="0"/>
+                <a:cs typeface="Arial" panose="020B0604020202020204" pitchFamily="34" charset="0"/>
+              </a:rPr>
+              <a:t>Error bars show growth slope +/- root-mean-square-deviation (RMSD) of the fit of the growth slope</a:t>
+            </a:r>
+            <a:r>
+              <a:rPr lang="en-US" sz="1000" dirty="0" smtClean="0">
+                <a:latin typeface="Arial" panose="020B0604020202020204" pitchFamily="34" charset="0"/>
+                <a:cs typeface="Arial" panose="020B0604020202020204" pitchFamily="34" charset="0"/>
+              </a:rPr>
+              <a:t>.</a:t>
+            </a:r>
+            <a:r>
+              <a:rPr lang="en-US" sz="1000" dirty="0" smtClean="0">
                 <a:solidFill>
                   <a:srgbClr val="FF0000"/>
                 </a:solidFill>
                 <a:latin typeface="Arial" panose="020B0604020202020204" pitchFamily="34" charset="0"/>
                 <a:cs typeface="Arial" panose="020B0604020202020204" pitchFamily="34" charset="0"/>
               </a:rPr>
-              <a:t>Error bars show growth slope +/- root-mean-square-deviation (RMSD) of the fit of the growth slope. . </a:t>
+              <a:t> </a:t>
             </a:r>
             <a:r>
               <a:rPr lang="en-US" sz="1000" b="1" dirty="0" smtClean="0">
@@ -10457,14 +10471,7 @@
                 <a:latin typeface="Arial" panose="020B0604020202020204" pitchFamily="34" charset="0"/>
                 <a:cs typeface="Arial" panose="020B0604020202020204" pitchFamily="34" charset="0"/>
               </a:rPr>
-              <a:t>(</a:t>
-            </a:r>
-            <a:r>
-              <a:rPr lang="en-US" sz="1000" dirty="0" smtClean="0">
-                <a:latin typeface="Arial" panose="020B0604020202020204" pitchFamily="34" charset="0"/>
-                <a:cs typeface="Arial" panose="020B0604020202020204" pitchFamily="34" charset="0"/>
-              </a:rPr>
-              <a:t>107975 sequences), </a:t>
+              <a:t>(107975 sequences), </a:t>
             </a:r>
             <a:r>
               <a:rPr lang="en-US" sz="1000" dirty="0">
